--- a/CAF Hackathon Advanced - Walking Deck.pptx
+++ b/CAF Hackathon Advanced - Walking Deck.pptx
@@ -3290,7 +3290,7 @@
           <a:p>
             <a:fld id="{9DC8817A-3F19-40BE-8D93-B63775697124}" type="datetimeFigureOut">
               <a:rPr lang="de-DE" smtClean="0"/>
-              <a:t>16.09.2021</a:t>
+              <a:t>30.03.2022</a:t>
             </a:fld>
             <a:endParaRPr lang="de-DE"/>
           </a:p>
@@ -3696,7 +3696,7 @@
           <a:p>
             <a:fld id="{386CE63F-9E7F-4C04-9D0D-FCA25A8E9E86}" type="datetime8">
               <a:rPr lang="en-US" smtClean="0"/>
-              <a:t>9/16/2021 8:45 PM</a:t>
+              <a:t>3/30/2022 8:56 AM</a:t>
             </a:fld>
             <a:endParaRPr lang="en-US" dirty="0"/>
           </a:p>
@@ -3960,7 +3960,7 @@
                 <a:tabLst/>
                 <a:defRPr/>
               </a:pPr>
-              <a:t>9/16/2021 8:45 PM</a:t>
+              <a:t>3/30/2022 8:56 AM</a:t>
             </a:fld>
             <a:endParaRPr kumimoji="0" lang="en-US" sz="1200" b="0" i="0" u="none" strike="noStrike" kern="1200" cap="none" spc="0" normalizeH="0" baseline="0" noProof="0">
               <a:ln>
@@ -4224,7 +4224,7 @@
           <a:p>
             <a:fld id="{A6103BC8-F6D9-49A0-A321-C89AEDD5696C}" type="datetimeFigureOut">
               <a:rPr lang="de-DE" smtClean="0"/>
-              <a:t>16.09.2021</a:t>
+              <a:t>30.03.2022</a:t>
             </a:fld>
             <a:endParaRPr lang="de-DE"/>
           </a:p>
@@ -4424,7 +4424,7 @@
           <a:p>
             <a:fld id="{A6103BC8-F6D9-49A0-A321-C89AEDD5696C}" type="datetimeFigureOut">
               <a:rPr lang="de-DE" smtClean="0"/>
-              <a:t>16.09.2021</a:t>
+              <a:t>30.03.2022</a:t>
             </a:fld>
             <a:endParaRPr lang="de-DE"/>
           </a:p>
@@ -4634,7 +4634,7 @@
           <a:p>
             <a:fld id="{A6103BC8-F6D9-49A0-A321-C89AEDD5696C}" type="datetimeFigureOut">
               <a:rPr lang="de-DE" smtClean="0"/>
-              <a:t>16.09.2021</a:t>
+              <a:t>30.03.2022</a:t>
             </a:fld>
             <a:endParaRPr lang="de-DE"/>
           </a:p>
@@ -5610,7 +5610,7 @@
           <a:p>
             <a:fld id="{A6103BC8-F6D9-49A0-A321-C89AEDD5696C}" type="datetimeFigureOut">
               <a:rPr lang="de-DE" smtClean="0"/>
-              <a:t>16.09.2021</a:t>
+              <a:t>30.03.2022</a:t>
             </a:fld>
             <a:endParaRPr lang="de-DE"/>
           </a:p>
@@ -5886,7 +5886,7 @@
           <a:p>
             <a:fld id="{A6103BC8-F6D9-49A0-A321-C89AEDD5696C}" type="datetimeFigureOut">
               <a:rPr lang="de-DE" smtClean="0"/>
-              <a:t>16.09.2021</a:t>
+              <a:t>30.03.2022</a:t>
             </a:fld>
             <a:endParaRPr lang="de-DE"/>
           </a:p>
@@ -6154,7 +6154,7 @@
           <a:p>
             <a:fld id="{A6103BC8-F6D9-49A0-A321-C89AEDD5696C}" type="datetimeFigureOut">
               <a:rPr lang="de-DE" smtClean="0"/>
-              <a:t>16.09.2021</a:t>
+              <a:t>30.03.2022</a:t>
             </a:fld>
             <a:endParaRPr lang="de-DE"/>
           </a:p>
@@ -6569,7 +6569,7 @@
           <a:p>
             <a:fld id="{A6103BC8-F6D9-49A0-A321-C89AEDD5696C}" type="datetimeFigureOut">
               <a:rPr lang="de-DE" smtClean="0"/>
-              <a:t>16.09.2021</a:t>
+              <a:t>30.03.2022</a:t>
             </a:fld>
             <a:endParaRPr lang="de-DE"/>
           </a:p>
@@ -6711,7 +6711,7 @@
           <a:p>
             <a:fld id="{A6103BC8-F6D9-49A0-A321-C89AEDD5696C}" type="datetimeFigureOut">
               <a:rPr lang="de-DE" smtClean="0"/>
-              <a:t>16.09.2021</a:t>
+              <a:t>30.03.2022</a:t>
             </a:fld>
             <a:endParaRPr lang="de-DE"/>
           </a:p>
@@ -6824,7 +6824,7 @@
           <a:p>
             <a:fld id="{A6103BC8-F6D9-49A0-A321-C89AEDD5696C}" type="datetimeFigureOut">
               <a:rPr lang="de-DE" smtClean="0"/>
-              <a:t>16.09.2021</a:t>
+              <a:t>30.03.2022</a:t>
             </a:fld>
             <a:endParaRPr lang="de-DE"/>
           </a:p>
@@ -7137,7 +7137,7 @@
           <a:p>
             <a:fld id="{A6103BC8-F6D9-49A0-A321-C89AEDD5696C}" type="datetimeFigureOut">
               <a:rPr lang="de-DE" smtClean="0"/>
-              <a:t>16.09.2021</a:t>
+              <a:t>30.03.2022</a:t>
             </a:fld>
             <a:endParaRPr lang="de-DE"/>
           </a:p>
@@ -7426,7 +7426,7 @@
           <a:p>
             <a:fld id="{A6103BC8-F6D9-49A0-A321-C89AEDD5696C}" type="datetimeFigureOut">
               <a:rPr lang="de-DE" smtClean="0"/>
-              <a:t>16.09.2021</a:t>
+              <a:t>30.03.2022</a:t>
             </a:fld>
             <a:endParaRPr lang="de-DE"/>
           </a:p>
@@ -7669,7 +7669,7 @@
           <a:p>
             <a:fld id="{A6103BC8-F6D9-49A0-A321-C89AEDD5696C}" type="datetimeFigureOut">
               <a:rPr lang="de-DE" smtClean="0"/>
-              <a:t>16.09.2021</a:t>
+              <a:t>30.03.2022</a:t>
             </a:fld>
             <a:endParaRPr lang="de-DE"/>
           </a:p>
@@ -8148,7 +8148,7 @@
         <p:spPr>
           <a:xfrm>
             <a:off x="584200" y="3962400"/>
-            <a:ext cx="4572000" cy="492443"/>
+            <a:ext cx="4572000" cy="443198"/>
           </a:xfrm>
         </p:spPr>
         <p:txBody>
@@ -8156,9 +8156,14 @@
           <a:lstStyle/>
           <a:p>
             <a:r>
-              <a:rPr lang="en-US" dirty="0"/>
-              <a:t>September 2021</a:t>
-            </a:r>
+              <a:rPr lang="en-US" dirty="0" err="1"/>
+              <a:t>März</a:t>
+            </a:r>
+            <a:r>
+              <a:rPr lang="en-US"/>
+              <a:t> 2022</a:t>
+            </a:r>
+            <a:endParaRPr lang="en-US" dirty="0"/>
           </a:p>
           <a:p>
             <a:endParaRPr lang="en-US" sz="1200" dirty="0"/>
@@ -22655,14 +22660,14 @@
           <p:nvPr>
             <p:extLst>
               <p:ext uri="{D42A27DB-BD31-4B8C-83A1-F6EECF244321}">
-                <p14:modId xmlns:p14="http://schemas.microsoft.com/office/powerpoint/2010/main" val="3322467252"/>
+                <p14:modId xmlns:p14="http://schemas.microsoft.com/office/powerpoint/2010/main" val="1564352321"/>
               </p:ext>
             </p:extLst>
           </p:nvPr>
         </p:nvGraphicFramePr>
         <p:xfrm>
           <a:off x="5901669" y="1757632"/>
-          <a:ext cx="5876038" cy="3923709"/>
+          <a:ext cx="5876038" cy="3994244"/>
         </p:xfrm>
         <a:graphic>
           <a:graphicData uri="http://schemas.openxmlformats.org/drawingml/2006/table">
@@ -22724,7 +22729,7 @@
                     <a:p>
                       <a:r>
                         <a:rPr lang="de-DE" dirty="0"/>
-                        <a:t>09:30 – 11:00</a:t>
+                        <a:t>09:30 – 10:45</a:t>
                       </a:r>
                     </a:p>
                   </a:txBody>
@@ -22794,7 +22799,7 @@
                     <a:p>
                       <a:r>
                         <a:rPr lang="de-DE" dirty="0"/>
-                        <a:t>11:15 – 12:15</a:t>
+                        <a:t>11:00 – 12:15</a:t>
                       </a:r>
                     </a:p>
                   </a:txBody>
@@ -22807,13 +22812,8 @@
                     <a:p>
                       <a:r>
                         <a:rPr lang="de-DE" dirty="0"/>
-                        <a:t>Challenge 2 – Reference </a:t>
+                        <a:t>Infra as Code – Bicep first steps</a:t>
                       </a:r>
-                      <a:r>
-                        <a:rPr lang="de-DE" dirty="0" err="1"/>
-                        <a:t>implementations</a:t>
-                      </a:r>
-                      <a:endParaRPr lang="de-DE" dirty="0"/>
                     </a:p>
                   </a:txBody>
                   <a:tcPr/>
@@ -22832,7 +22832,7 @@
                     <a:p>
                       <a:r>
                         <a:rPr lang="de-DE" dirty="0"/>
-                        <a:t>13:00 – 14:15</a:t>
+                        <a:t>13:00 – 14:00</a:t>
                       </a:r>
                     </a:p>
                   </a:txBody>
@@ -22958,7 +22958,7 @@
                     <a:p>
                       <a:r>
                         <a:rPr lang="de-DE" dirty="0"/>
-                        <a:t>14:30 – 15:30</a:t>
+                        <a:t>14:15 – 15:30</a:t>
                       </a:r>
                     </a:p>
                   </a:txBody>
@@ -22971,15 +22971,7 @@
                     <a:p>
                       <a:r>
                         <a:rPr lang="de-DE" dirty="0"/>
-                        <a:t>Challenge 3 – First </a:t>
-                      </a:r>
-                      <a:r>
-                        <a:rPr lang="de-DE" dirty="0" err="1"/>
-                        <a:t>operations</a:t>
-                      </a:r>
-                      <a:r>
-                        <a:rPr lang="de-DE" dirty="0"/>
-                        <a:t> in ESLZ</a:t>
+                        <a:t>Challenge 3 – First operations in ESLZ &amp; Azure CARML</a:t>
                       </a:r>
                     </a:p>
                   </a:txBody>
@@ -23632,4 +23624,10 @@
     </a:ext>
   </a:extLst>
 </a:theme>
+</file>
+
+<file path=docMetadata/LabelInfo.xml><?xml version="1.0" encoding="utf-8"?>
+<clbl:labelList xmlns:clbl="http://schemas.microsoft.com/office/2020/mipLabelMetadata">
+  <clbl:label id="{f42aa342-8706-4288-bd11-ebb85995028c}" enabled="1" method="Standard" siteId="{72f988bf-86f1-41af-91ab-2d7cd011db47}" contentBits="0" removed="0"/>
+</clbl:labelList>
 </file>